--- a/06.Presentation/A3vedioA42_final.pptx
+++ b/06.Presentation/A3vedioA42_final.pptx
@@ -151,6 +151,7 @@
 <file path=ppt/revisionInfo.xml><?xml version="1.0" encoding="utf-8"?>
 <p1510:revInfo xmlns:a="http://schemas.openxmlformats.org/drawingml/2006/main" xmlns:r="http://schemas.openxmlformats.org/officeDocument/2006/relationships" xmlns:p1510="http://schemas.microsoft.com/office/powerpoint/2015/10/main">
   <p1510:revLst>
+    <p1510:client id="{075509EA-9A46-4AF9-945A-8F608A4A8EC9}" v="6" dt="2024-05-17T20:10:46.541"/>
     <p1510:client id="{4864C4A1-E747-4C9B-A49A-EF633EB2782D}" v="24" dt="2024-05-17T17:05:10.182"/>
     <p1510:client id="{FF8EF1C4-28F6-441C-A5F4-B29C9065569C}" v="70" dt="2024-05-16T20:58:22.920"/>
   </p1510:revLst>
@@ -22488,7 +22489,7 @@
         <p:spPr>
           <a:xfrm>
             <a:off x="9011846" y="1208615"/>
-            <a:ext cx="2580654" cy="1392689"/>
+            <a:ext cx="2580654" cy="1231106"/>
           </a:xfrm>
           <a:prstGeom prst="rect">
             <a:avLst/>
@@ -22516,7 +22517,7 @@
                 <a:latin typeface="Arial" panose="020B0604020202020204" pitchFamily="34" charset="0"/>
                 <a:cs typeface="Arial" panose="020B0604020202020204" pitchFamily="34" charset="0"/>
               </a:rPr>
-              <a:t>Our study employed mode imputation for numeric value imputation, serving as a reference for comparison. Additionally, we leveraged the Naïve Bayes imputation technique algorithm to impute missing numerical feature values.</a:t>
+              <a:t>Our study employed mode imputation for categorical  features, serving as a reference for comparison. Additionally, we leveraged the Naïve Bayes imputation technique to impute missing categorical features feature .</a:t>
             </a:r>
           </a:p>
         </p:txBody>
@@ -22653,7 +22654,7 @@
                 <a:latin typeface="Arial" panose="020B0604020202020204" pitchFamily="34" charset="0"/>
                 <a:cs typeface="Arial" panose="020B0604020202020204" pitchFamily="34" charset="0"/>
               </a:rPr>
-              <a:t>The  data was split  into a 30:70 test: train split,. Additionally, three copies of the training subset were generated and induced with missing values at varying proportions (10%, 40%, and 70%). </a:t>
+              <a:t>The data was split into a 30:70 test: train split. Additionally, three copies of the training subset were generated and induced with missing values at varying proportions (10%, 40%, and 70%). </a:t>
             </a:r>
           </a:p>
         </p:txBody>
@@ -22760,7 +22761,21 @@
                 <a:latin typeface="Arial" panose="020B0604020202020204" pitchFamily="34" charset="0"/>
                 <a:cs typeface="Arial" panose="020B0604020202020204" pitchFamily="34" charset="0"/>
               </a:rPr>
-              <a:t>The nursery dataset was explored to gain an understanding of its structure, variables, and content. Upon review it was observed that they was a skewed class distribution of the target feature.</a:t>
+              <a:t>The nursery dataset was explored to gain an understanding of its structure, variables, and content. Upon review it was observed that they was a </a:t>
+            </a:r>
+            <a:r>
+              <a:rPr lang="en-ZA" sz="1050">
+                <a:latin typeface="Arial" panose="020B0604020202020204" pitchFamily="34" charset="0"/>
+                <a:cs typeface="Arial" panose="020B0604020202020204" pitchFamily="34" charset="0"/>
+              </a:rPr>
+              <a:t>skewed distribution </a:t>
+            </a:r>
+            <a:r>
+              <a:rPr lang="en-ZA" sz="1050" dirty="0">
+                <a:latin typeface="Arial" panose="020B0604020202020204" pitchFamily="34" charset="0"/>
+                <a:cs typeface="Arial" panose="020B0604020202020204" pitchFamily="34" charset="0"/>
+              </a:rPr>
+              <a:t>of the target feature.</a:t>
             </a:r>
           </a:p>
         </p:txBody>
@@ -22911,7 +22926,7 @@
                 <a:latin typeface="Arial" panose="020B0604020202020204" pitchFamily="34" charset="0"/>
                 <a:cs typeface="Arial" panose="020B0604020202020204" pitchFamily="34" charset="0"/>
               </a:rPr>
-              <a:t>Line plots and bar graphs were crafted to vividly illustrate the performance disparity between the two models when trained with data imputed using distinct methods.. </a:t>
+              <a:t>Line plots and bar graphs were crafted to vividly illustrate the performance disparity between the two models when trained with data imputed using distinct methods.</a:t>
             </a:r>
           </a:p>
         </p:txBody>
@@ -23014,7 +23029,7 @@
         <p:spPr>
           <a:xfrm>
             <a:off x="9127471" y="3324678"/>
-            <a:ext cx="2504850" cy="1277273"/>
+            <a:ext cx="2504850" cy="1107996"/>
           </a:xfrm>
           <a:prstGeom prst="rect">
             <a:avLst/>
@@ -23042,7 +23057,7 @@
                 <a:latin typeface="Arial" panose="020B0604020202020204" pitchFamily="34" charset="0"/>
                 <a:cs typeface="Arial" panose="020B0604020202020204" pitchFamily="34" charset="0"/>
               </a:rPr>
-              <a:t>The results from the K-NN and decision tree classifiers are evaluated using performance metrices  including accuracy, precision, recall, and F1-score, will be evaluated and compared.</a:t>
+              <a:t>The results from the K-NN and decision tree classifiers are evaluated using performance metrices including accuracy, precision, recall,  F1-score.</a:t>
             </a:r>
           </a:p>
         </p:txBody>
@@ -26012,15 +26027,15 @@
 </file>
 
 <file path=customXml/item1.xml><?xml version="1.0" encoding="utf-8"?>
+<TemplafyTemplateConfiguration><![CDATA[{"elementsMetadata":[],"transformationConfigurations":[],"templateName":"Template 2024","templateDescription":"","enableDocumentContentUpdater":false,"version":"2.0"}]]></TemplafyTemplateConfiguration>
+</file>
+
+<file path=customXml/item2.xml><?xml version="1.0" encoding="utf-8"?>
 <TemplafyFormConfiguration><![CDATA[{"formFields":[],"formDataEntries":[]}]]></TemplafyFormConfiguration>
 </file>
 
-<file path=customXml/item2.xml><?xml version="1.0" encoding="utf-8"?>
+<file path=customXml/item3.xml><?xml version="1.0" encoding="utf-8"?>
 <TemplafySlideTemplateConfiguration><![CDATA[{"slideVersion":1,"isValidatorEnabled":false,"isLocked":false,"elementsMetadata":[],"slideId":"638048769900279182","enableDocumentContentUpdater":false,"version":"2.0"}]]></TemplafySlideTemplateConfiguration>
-</file>
-
-<file path=customXml/item3.xml><?xml version="1.0" encoding="utf-8"?>
-<TemplafySlideFormConfiguration><![CDATA[{"formFields":[],"formDataEntries":[]}]]></TemplafySlideFormConfiguration>
 </file>
 
 <file path=customXml/item4.xml><?xml version="1.0" encoding="utf-8"?>
@@ -26032,29 +26047,29 @@
 </file>
 
 <file path=customXml/item6.xml><?xml version="1.0" encoding="utf-8"?>
-<TemplafyTemplateConfiguration><![CDATA[{"elementsMetadata":[],"transformationConfigurations":[],"templateName":"Template 2024","templateDescription":"","enableDocumentContentUpdater":false,"version":"2.0"}]]></TemplafyTemplateConfiguration>
+<TemplafySlideFormConfiguration><![CDATA[{"formFields":[],"formDataEntries":[]}]]></TemplafySlideFormConfiguration>
 </file>
 
 <file path=customXml/itemProps1.xml><?xml version="1.0" encoding="utf-8"?>
+<ds:datastoreItem xmlns:ds="http://schemas.openxmlformats.org/officeDocument/2006/customXml" ds:itemID="{43877E11-121F-45E2-A0FE-16DFA988BBD5}">
+  <ds:schemaRefs/>
+</ds:datastoreItem>
+</file>
+
+<file path=customXml/itemProps2.xml><?xml version="1.0" encoding="utf-8"?>
 <ds:datastoreItem xmlns:ds="http://schemas.openxmlformats.org/officeDocument/2006/customXml" ds:itemID="{9A03A13C-D5E3-49F8-B37D-AFA024345652}">
   <ds:schemaRefs/>
 </ds:datastoreItem>
 </file>
 
-<file path=customXml/itemProps2.xml><?xml version="1.0" encoding="utf-8"?>
+<file path=customXml/itemProps3.xml><?xml version="1.0" encoding="utf-8"?>
 <ds:datastoreItem xmlns:ds="http://schemas.openxmlformats.org/officeDocument/2006/customXml" ds:itemID="{31A6E273-308C-4E61-93A6-3725B57DDBD2}">
   <ds:schemaRefs/>
 </ds:datastoreItem>
 </file>
 
-<file path=customXml/itemProps3.xml><?xml version="1.0" encoding="utf-8"?>
+<file path=customXml/itemProps4.xml><?xml version="1.0" encoding="utf-8"?>
 <ds:datastoreItem xmlns:ds="http://schemas.openxmlformats.org/officeDocument/2006/customXml" ds:itemID="{318FE172-2E4A-41F3-98F3-1CD8CCD9375A}">
-  <ds:schemaRefs/>
-</ds:datastoreItem>
-</file>
-
-<file path=customXml/itemProps4.xml><?xml version="1.0" encoding="utf-8"?>
-<ds:datastoreItem xmlns:ds="http://schemas.openxmlformats.org/officeDocument/2006/customXml" ds:itemID="{B779C644-68B7-4164-9D25-5094A90807DA}">
   <ds:schemaRefs/>
 </ds:datastoreItem>
 </file>
@@ -26066,7 +26081,7 @@
 </file>
 
 <file path=customXml/itemProps6.xml><?xml version="1.0" encoding="utf-8"?>
-<ds:datastoreItem xmlns:ds="http://schemas.openxmlformats.org/officeDocument/2006/customXml" ds:itemID="{43877E11-121F-45E2-A0FE-16DFA988BBD5}">
+<ds:datastoreItem xmlns:ds="http://schemas.openxmlformats.org/officeDocument/2006/customXml" ds:itemID="{B779C644-68B7-4164-9D25-5094A90807DA}">
   <ds:schemaRefs/>
 </ds:datastoreItem>
 </file>